--- a/prez/prez.pptx
+++ b/prez/prez.pptx
@@ -7,14 +7,21 @@
   <p:sldIdLst>
     <p:sldId id="256" r:id="rId2"/>
     <p:sldId id="257" r:id="rId3"/>
-    <p:sldId id="258" r:id="rId4"/>
+    <p:sldId id="272" r:id="rId4"/>
     <p:sldId id="259" r:id="rId5"/>
     <p:sldId id="260" r:id="rId6"/>
     <p:sldId id="261" r:id="rId7"/>
-    <p:sldId id="262" r:id="rId8"/>
-    <p:sldId id="263" r:id="rId9"/>
-    <p:sldId id="264" r:id="rId10"/>
-    <p:sldId id="265" r:id="rId11"/>
+    <p:sldId id="267" r:id="rId8"/>
+    <p:sldId id="262" r:id="rId9"/>
+    <p:sldId id="268" r:id="rId10"/>
+    <p:sldId id="269" r:id="rId11"/>
+    <p:sldId id="266" r:id="rId12"/>
+    <p:sldId id="263" r:id="rId13"/>
+    <p:sldId id="264" r:id="rId14"/>
+    <p:sldId id="258" r:id="rId15"/>
+    <p:sldId id="270" r:id="rId16"/>
+    <p:sldId id="265" r:id="rId17"/>
+    <p:sldId id="271" r:id="rId18"/>
   </p:sldIdLst>
   <p:sldSz cx="12192000" cy="6858000"/>
   <p:notesSz cx="6858000" cy="9144000"/>
@@ -347,7 +354,7 @@
           <a:p>
             <a:fld id="{7B4B1796-2F4A-4408-9A06-4E198E2A21DD}" type="datetimeFigureOut">
               <a:rPr lang="ru-RU" smtClean="0"/>
-              <a:t>05.12.2019</a:t>
+              <a:t>06.12.2019</a:t>
             </a:fld>
             <a:endParaRPr lang="ru-RU"/>
           </a:p>
@@ -555,7 +562,7 @@
           <a:p>
             <a:fld id="{7B4B1796-2F4A-4408-9A06-4E198E2A21DD}" type="datetimeFigureOut">
               <a:rPr lang="ru-RU" smtClean="0"/>
-              <a:t>05.12.2019</a:t>
+              <a:t>06.12.2019</a:t>
             </a:fld>
             <a:endParaRPr lang="ru-RU"/>
           </a:p>
@@ -811,7 +818,7 @@
           <a:p>
             <a:fld id="{7B4B1796-2F4A-4408-9A06-4E198E2A21DD}" type="datetimeFigureOut">
               <a:rPr lang="ru-RU" smtClean="0"/>
-              <a:t>05.12.2019</a:t>
+              <a:t>06.12.2019</a:t>
             </a:fld>
             <a:endParaRPr lang="ru-RU"/>
           </a:p>
@@ -985,7 +992,7 @@
           <a:p>
             <a:fld id="{7B4B1796-2F4A-4408-9A06-4E198E2A21DD}" type="datetimeFigureOut">
               <a:rPr lang="ru-RU" smtClean="0"/>
-              <a:t>05.12.2019</a:t>
+              <a:t>06.12.2019</a:t>
             </a:fld>
             <a:endParaRPr lang="ru-RU"/>
           </a:p>
@@ -1328,7 +1335,7 @@
           <a:p>
             <a:fld id="{7B4B1796-2F4A-4408-9A06-4E198E2A21DD}" type="datetimeFigureOut">
               <a:rPr lang="ru-RU" smtClean="0"/>
-              <a:t>05.12.2019</a:t>
+              <a:t>06.12.2019</a:t>
             </a:fld>
             <a:endParaRPr lang="ru-RU"/>
           </a:p>
@@ -1603,7 +1610,7 @@
           <a:p>
             <a:fld id="{7B4B1796-2F4A-4408-9A06-4E198E2A21DD}" type="datetimeFigureOut">
               <a:rPr lang="ru-RU" smtClean="0"/>
-              <a:t>05.12.2019</a:t>
+              <a:t>06.12.2019</a:t>
             </a:fld>
             <a:endParaRPr lang="ru-RU"/>
           </a:p>
@@ -1982,7 +1989,7 @@
           <a:p>
             <a:fld id="{7B4B1796-2F4A-4408-9A06-4E198E2A21DD}" type="datetimeFigureOut">
               <a:rPr lang="ru-RU" smtClean="0"/>
-              <a:t>05.12.2019</a:t>
+              <a:t>06.12.2019</a:t>
             </a:fld>
             <a:endParaRPr lang="ru-RU"/>
           </a:p>
@@ -2100,7 +2107,7 @@
           <a:p>
             <a:fld id="{7B4B1796-2F4A-4408-9A06-4E198E2A21DD}" type="datetimeFigureOut">
               <a:rPr lang="ru-RU" smtClean="0"/>
-              <a:t>05.12.2019</a:t>
+              <a:t>06.12.2019</a:t>
             </a:fld>
             <a:endParaRPr lang="ru-RU"/>
           </a:p>
@@ -2271,7 +2278,7 @@
           <a:p>
             <a:fld id="{7B4B1796-2F4A-4408-9A06-4E198E2A21DD}" type="datetimeFigureOut">
               <a:rPr lang="ru-RU" smtClean="0"/>
-              <a:t>05.12.2019</a:t>
+              <a:t>06.12.2019</a:t>
             </a:fld>
             <a:endParaRPr lang="ru-RU"/>
           </a:p>
@@ -2625,7 +2632,7 @@
           <a:p>
             <a:fld id="{7B4B1796-2F4A-4408-9A06-4E198E2A21DD}" type="datetimeFigureOut">
               <a:rPr lang="ru-RU" smtClean="0"/>
-              <a:t>05.12.2019</a:t>
+              <a:t>06.12.2019</a:t>
             </a:fld>
             <a:endParaRPr lang="ru-RU"/>
           </a:p>
@@ -3007,7 +3014,7 @@
           <a:p>
             <a:fld id="{7B4B1796-2F4A-4408-9A06-4E198E2A21DD}" type="datetimeFigureOut">
               <a:rPr lang="ru-RU" smtClean="0"/>
-              <a:t>05.12.2019</a:t>
+              <a:t>06.12.2019</a:t>
             </a:fld>
             <a:endParaRPr lang="ru-RU"/>
           </a:p>
@@ -3294,7 +3301,7 @@
           <a:p>
             <a:fld id="{7B4B1796-2F4A-4408-9A06-4E198E2A21DD}" type="datetimeFigureOut">
               <a:rPr lang="ru-RU" smtClean="0"/>
-              <a:t>05.12.2019</a:t>
+              <a:t>06.12.2019</a:t>
             </a:fld>
             <a:endParaRPr lang="ru-RU"/>
           </a:p>
@@ -3828,7 +3835,12 @@
             <p:ph type="ctrTitle"/>
           </p:nvPr>
         </p:nvSpPr>
-        <p:spPr/>
+        <p:spPr>
+          <a:xfrm>
+            <a:off x="1100051" y="0"/>
+            <a:ext cx="10058400" cy="1664208"/>
+          </a:xfrm>
+        </p:spPr>
         <p:txBody>
           <a:bodyPr>
             <a:normAutofit/>
@@ -3853,16 +3865,131 @@
             <p:ph type="subTitle" idx="1"/>
           </p:nvPr>
         </p:nvSpPr>
-        <p:spPr/>
-        <p:txBody>
-          <a:bodyPr/>
+        <p:spPr>
+          <a:xfrm>
+            <a:off x="11823470" y="6089904"/>
+            <a:ext cx="368530" cy="240236"/>
+          </a:xfrm>
+        </p:spPr>
+        <p:txBody>
+          <a:bodyPr>
+            <a:normAutofit fontScale="55000" lnSpcReduction="20000"/>
+          </a:bodyPr>
+          <a:lstStyle/>
+          <a:p>
+            <a:r>
+              <a:rPr lang="uk-UA" dirty="0"/>
+              <a:t> </a:t>
+            </a:r>
+            <a:endParaRPr lang="ru-RU" dirty="0"/>
+          </a:p>
+        </p:txBody>
+      </p:sp>
+      <p:sp>
+        <p:nvSpPr>
+          <p:cNvPr id="4" name="TextBox 3"/>
+          <p:cNvSpPr txBox="1"/>
+          <p:nvPr/>
+        </p:nvSpPr>
+        <p:spPr>
+          <a:xfrm>
+            <a:off x="7086600" y="1755648"/>
+            <a:ext cx="3904488" cy="2585323"/>
+          </a:xfrm>
+          <a:prstGeom prst="rect">
+            <a:avLst/>
+          </a:prstGeom>
+          <a:noFill/>
+        </p:spPr>
+        <p:txBody>
+          <a:bodyPr wrap="square" rtlCol="0">
+            <a:spAutoFit/>
+          </a:bodyPr>
           <a:lstStyle/>
           <a:p>
             <a:r>
               <a:rPr lang="uk-UA" dirty="0" smtClean="0"/>
-              <a:t>Попович Ярослав 2020</a:t>
-            </a:r>
-            <a:endParaRPr lang="ru-RU" dirty="0"/>
+              <a:t>Науковий керівник:</a:t>
+            </a:r>
+          </a:p>
+          <a:p>
+            <a:r>
+              <a:rPr lang="uk-UA" dirty="0" err="1" smtClean="0"/>
+              <a:t>Руккас</a:t>
+            </a:r>
+            <a:r>
+              <a:rPr lang="uk-UA" dirty="0" smtClean="0"/>
+              <a:t> Кирило Маркович</a:t>
+            </a:r>
+            <a:r>
+              <a:rPr lang="ru-RU" dirty="0" smtClean="0"/>
+              <a:t>,</a:t>
+            </a:r>
+          </a:p>
+          <a:p>
+            <a:r>
+              <a:rPr lang="uk-UA" dirty="0" smtClean="0"/>
+              <a:t>професор кафедри теоретичної та прикладної інформатики механіко-математичного факультету Харківського національного університету</a:t>
+            </a:r>
+          </a:p>
+          <a:p>
+            <a:r>
+              <a:rPr lang="uk-UA" dirty="0" smtClean="0"/>
+              <a:t>імені  </a:t>
+            </a:r>
+            <a:r>
+              <a:rPr lang="uk-UA" dirty="0" err="1" smtClean="0"/>
+              <a:t>В.Н.Каразіна</a:t>
+            </a:r>
+            <a:r>
+              <a:rPr lang="uk-UA" dirty="0" smtClean="0"/>
+              <a:t>, доктор технічних наук, доцент</a:t>
+            </a:r>
+          </a:p>
+        </p:txBody>
+      </p:sp>
+      <p:sp>
+        <p:nvSpPr>
+          <p:cNvPr id="5" name="TextBox 4"/>
+          <p:cNvSpPr txBox="1"/>
+          <p:nvPr/>
+        </p:nvSpPr>
+        <p:spPr>
+          <a:xfrm>
+            <a:off x="7086600" y="4612576"/>
+            <a:ext cx="4197096" cy="1477328"/>
+          </a:xfrm>
+          <a:prstGeom prst="rect">
+            <a:avLst/>
+          </a:prstGeom>
+          <a:noFill/>
+        </p:spPr>
+        <p:txBody>
+          <a:bodyPr wrap="square" rtlCol="0">
+            <a:spAutoFit/>
+          </a:bodyPr>
+          <a:lstStyle/>
+          <a:p>
+            <a:r>
+              <a:rPr lang="uk-UA" dirty="0" smtClean="0"/>
+              <a:t>Роботу виконав:</a:t>
+            </a:r>
+          </a:p>
+          <a:p>
+            <a:r>
+              <a:rPr lang="uk-UA" dirty="0" smtClean="0"/>
+              <a:t>Попович Ярослав Васильович</a:t>
+            </a:r>
+            <a:r>
+              <a:rPr lang="ru-RU" dirty="0" smtClean="0"/>
+              <a:t>,</a:t>
+            </a:r>
+          </a:p>
+          <a:p>
+            <a:r>
+              <a:rPr lang="uk-UA" dirty="0" smtClean="0"/>
+              <a:t>Учень 10 класу Харківського Навчально-виховного комплексу №45 «Академічна гімназія»</a:t>
+            </a:r>
           </a:p>
         </p:txBody>
       </p:sp>
@@ -3920,6 +4047,1367 @@
           <a:p>
             <a:r>
               <a:rPr lang="uk-UA" dirty="0" smtClean="0"/>
+              <a:t>Дешифрування</a:t>
+            </a:r>
+            <a:endParaRPr lang="ru-RU" dirty="0"/>
+          </a:p>
+        </p:txBody>
+      </p:sp>
+      <p:pic>
+        <p:nvPicPr>
+          <p:cNvPr id="4" name="Объект 3"/>
+          <p:cNvPicPr>
+            <a:picLocks noGrp="1" noChangeAspect="1"/>
+          </p:cNvPicPr>
+          <p:nvPr>
+            <p:ph idx="1"/>
+          </p:nvPr>
+        </p:nvPicPr>
+        <p:blipFill>
+          <a:blip r:embed="rId2">
+            <a:extLst>
+              <a:ext uri="{28A0092B-C50C-407E-A947-70E740481C1C}">
+                <a14:useLocalDpi xmlns:a14="http://schemas.microsoft.com/office/drawing/2010/main" val="0"/>
+              </a:ext>
+            </a:extLst>
+          </a:blip>
+          <a:stretch>
+            <a:fillRect/>
+          </a:stretch>
+        </p:blipFill>
+        <p:spPr>
+          <a:xfrm>
+            <a:off x="2419028" y="2967555"/>
+            <a:ext cx="7414903" cy="1249788"/>
+          </a:xfrm>
+        </p:spPr>
+      </p:pic>
+    </p:spTree>
+    <p:extLst>
+      <p:ext uri="{BB962C8B-B14F-4D97-AF65-F5344CB8AC3E}">
+        <p14:creationId xmlns:p14="http://schemas.microsoft.com/office/powerpoint/2010/main" val="830840690"/>
+      </p:ext>
+    </p:extLst>
+  </p:cSld>
+  <p:clrMapOvr>
+    <a:masterClrMapping/>
+  </p:clrMapOvr>
+  <p:timing>
+    <p:tnLst>
+      <p:par>
+        <p:cTn id="1" dur="indefinite" restart="never" nodeType="tmRoot"/>
+      </p:par>
+    </p:tnLst>
+  </p:timing>
+</p:sld>
+</file>
+
+<file path=ppt/slides/slide11.xml><?xml version="1.0" encoding="utf-8"?>
+<p:sld xmlns:a="http://schemas.openxmlformats.org/drawingml/2006/main" xmlns:r="http://schemas.openxmlformats.org/officeDocument/2006/relationships" xmlns:p="http://schemas.openxmlformats.org/presentationml/2006/main">
+  <p:cSld>
+    <p:spTree>
+      <p:nvGrpSpPr>
+        <p:cNvPr id="1" name=""/>
+        <p:cNvGrpSpPr/>
+        <p:nvPr/>
+      </p:nvGrpSpPr>
+      <p:grpSpPr>
+        <a:xfrm>
+          <a:off x="0" y="0"/>
+          <a:ext cx="0" cy="0"/>
+          <a:chOff x="0" y="0"/>
+          <a:chExt cx="0" cy="0"/>
+        </a:xfrm>
+      </p:grpSpPr>
+      <p:sp>
+        <p:nvSpPr>
+          <p:cNvPr id="2" name="Заголовок 1"/>
+          <p:cNvSpPr>
+            <a:spLocks noGrp="1"/>
+          </p:cNvSpPr>
+          <p:nvPr>
+            <p:ph type="title"/>
+          </p:nvPr>
+        </p:nvSpPr>
+        <p:spPr/>
+        <p:txBody>
+          <a:bodyPr/>
+          <a:lstStyle/>
+          <a:p>
+            <a:r>
+              <a:rPr lang="uk-UA" dirty="0" smtClean="0"/>
+              <a:t>Порівняння шифрів</a:t>
+            </a:r>
+            <a:endParaRPr lang="ru-RU" dirty="0"/>
+          </a:p>
+        </p:txBody>
+      </p:sp>
+      <mc:AlternateContent xmlns:mc="http://schemas.openxmlformats.org/markup-compatibility/2006">
+        <mc:Choice xmlns:a14="http://schemas.microsoft.com/office/drawing/2010/main" Requires="a14">
+          <p:graphicFrame>
+            <p:nvGraphicFramePr>
+              <p:cNvPr id="6" name="Объект 5"/>
+              <p:cNvGraphicFramePr>
+                <a:graphicFrameLocks noGrp="1"/>
+              </p:cNvGraphicFramePr>
+              <p:nvPr>
+                <p:ph idx="1"/>
+                <p:extLst>
+                  <p:ext uri="{D42A27DB-BD31-4B8C-83A1-F6EECF244321}">
+                    <p14:modId xmlns:p14="http://schemas.microsoft.com/office/powerpoint/2010/main" val="917509534"/>
+                  </p:ext>
+                </p:extLst>
+              </p:nvPr>
+            </p:nvGraphicFramePr>
+            <p:xfrm>
+              <a:off x="1096963" y="1846263"/>
+              <a:ext cx="10058400" cy="3759200"/>
+            </p:xfrm>
+            <a:graphic>
+              <a:graphicData uri="http://schemas.openxmlformats.org/drawingml/2006/table">
+                <a:tbl>
+                  <a:tblPr firstRow="1" bandRow="1">
+                    <a:tableStyleId>{5C22544A-7EE6-4342-B048-85BDC9FD1C3A}</a:tableStyleId>
+                  </a:tblPr>
+                  <a:tblGrid>
+                    <a:gridCol w="3352800"/>
+                    <a:gridCol w="3352800"/>
+                    <a:gridCol w="3352800"/>
+                  </a:tblGrid>
+                  <a:tr h="370840">
+                    <a:tc>
+                      <a:txBody>
+                        <a:bodyPr/>
+                        <a:lstStyle/>
+                        <a:p>
+                          <a:r>
+                            <a:rPr lang="uk-UA" dirty="0" smtClean="0"/>
+                            <a:t>Шифри</a:t>
+                          </a:r>
+                          <a:endParaRPr lang="ru-RU" dirty="0"/>
+                        </a:p>
+                      </a:txBody>
+                      <a:tcPr/>
+                    </a:tc>
+                    <a:tc>
+                      <a:txBody>
+                        <a:bodyPr/>
+                        <a:lstStyle/>
+                        <a:p>
+                          <a:r>
+                            <a:rPr lang="uk-UA" dirty="0" smtClean="0"/>
+                            <a:t>Час роботи</a:t>
+                          </a:r>
+                          <a:endParaRPr lang="ru-RU" dirty="0"/>
+                        </a:p>
+                      </a:txBody>
+                      <a:tcPr/>
+                    </a:tc>
+                    <a:tc>
+                      <a:txBody>
+                        <a:bodyPr/>
+                        <a:lstStyle/>
+                        <a:p>
+                          <a:r>
+                            <a:rPr lang="uk-UA" dirty="0" smtClean="0"/>
+                            <a:t>Особливості</a:t>
+                          </a:r>
+                          <a:endParaRPr lang="ru-RU" dirty="0"/>
+                        </a:p>
+                      </a:txBody>
+                      <a:tcPr/>
+                    </a:tc>
+                  </a:tr>
+                  <a:tr h="370840">
+                    <a:tc>
+                      <a:txBody>
+                        <a:bodyPr/>
+                        <a:lstStyle/>
+                        <a:p>
+                          <a:r>
+                            <a:rPr lang="uk-UA" dirty="0" smtClean="0"/>
+                            <a:t>Шифр</a:t>
+                          </a:r>
+                          <a:r>
+                            <a:rPr lang="uk-UA" baseline="0" dirty="0" smtClean="0"/>
+                            <a:t> </a:t>
+                          </a:r>
+                          <a:r>
+                            <a:rPr lang="uk-UA" baseline="0" dirty="0" err="1" smtClean="0"/>
+                            <a:t>Віженера</a:t>
+                          </a:r>
+                          <a:endParaRPr lang="ru-RU" dirty="0"/>
+                        </a:p>
+                      </a:txBody>
+                      <a:tcPr/>
+                    </a:tc>
+                    <a:tc>
+                      <a:txBody>
+                        <a:bodyPr/>
+                        <a:lstStyle/>
+                        <a:p>
+                          <a:r>
+                            <a:rPr lang="en-US" i="1" dirty="0" smtClean="0"/>
+                            <a:t>O(</a:t>
+                          </a:r>
+                          <a14:m>
+                            <m:oMath xmlns:m="http://schemas.openxmlformats.org/officeDocument/2006/math">
+                              <m:r>
+                                <a:rPr lang="en-US" b="0" i="1" smtClean="0">
+                                  <a:latin typeface="Cambria Math" panose="02040503050406030204" pitchFamily="18" charset="0"/>
+                                </a:rPr>
+                                <m:t>𝑛</m:t>
+                              </m:r>
+                            </m:oMath>
+                          </a14:m>
+                          <a:r>
+                            <a:rPr lang="en-US" i="1" dirty="0" smtClean="0"/>
+                            <a:t>)</a:t>
+                          </a:r>
+                          <a:endParaRPr lang="ru-RU" i="1" dirty="0"/>
+                        </a:p>
+                      </a:txBody>
+                      <a:tcPr/>
+                    </a:tc>
+                    <a:tc>
+                      <a:txBody>
+                        <a:bodyPr/>
+                        <a:lstStyle/>
+                        <a:p>
+                          <a:r>
+                            <a:rPr lang="uk-UA" dirty="0" smtClean="0"/>
+                            <a:t>Піддається</a:t>
+                          </a:r>
+                          <a:r>
+                            <a:rPr lang="uk-UA" baseline="0" dirty="0" smtClean="0"/>
+                            <a:t> дешифруванню</a:t>
+                          </a:r>
+                          <a:endParaRPr lang="ru-RU" dirty="0"/>
+                        </a:p>
+                      </a:txBody>
+                      <a:tcPr/>
+                    </a:tc>
+                  </a:tr>
+                  <a:tr h="370840">
+                    <a:tc>
+                      <a:txBody>
+                        <a:bodyPr/>
+                        <a:lstStyle/>
+                        <a:p>
+                          <a:r>
+                            <a:rPr lang="uk-UA" dirty="0" smtClean="0"/>
+                            <a:t>Шифр </a:t>
+                          </a:r>
+                          <a:r>
+                            <a:rPr lang="uk-UA" dirty="0" err="1" smtClean="0"/>
+                            <a:t>Вєрнама</a:t>
+                          </a:r>
+                          <a:endParaRPr lang="ru-RU" dirty="0"/>
+                        </a:p>
+                      </a:txBody>
+                      <a:tcPr/>
+                    </a:tc>
+                    <a:tc>
+                      <a:txBody>
+                        <a:bodyPr/>
+                        <a:lstStyle/>
+                        <a:p>
+                          <a:r>
+                            <a:rPr lang="en-US" i="1" dirty="0" smtClean="0"/>
+                            <a:t>O(</a:t>
+                          </a:r>
+                          <a14:m>
+                            <m:oMath xmlns:m="http://schemas.openxmlformats.org/officeDocument/2006/math">
+                              <m:r>
+                                <a:rPr lang="en-US" b="0" i="1" smtClean="0">
+                                  <a:latin typeface="Cambria Math" panose="02040503050406030204" pitchFamily="18" charset="0"/>
+                                </a:rPr>
+                                <m:t>𝑛𝑘</m:t>
+                              </m:r>
+                            </m:oMath>
+                          </a14:m>
+                          <a:r>
+                            <a:rPr lang="en-US" i="1" dirty="0" smtClean="0"/>
+                            <a:t>)</a:t>
+                          </a:r>
+                          <a:endParaRPr lang="ru-RU" i="1" dirty="0"/>
+                        </a:p>
+                      </a:txBody>
+                      <a:tcPr/>
+                    </a:tc>
+                    <a:tc>
+                      <a:txBody>
+                        <a:bodyPr/>
+                        <a:lstStyle/>
+                        <a:p>
+                          <a:r>
+                            <a:rPr lang="uk-UA" dirty="0" smtClean="0"/>
+                            <a:t>Доведена</a:t>
+                          </a:r>
+                          <a:r>
+                            <a:rPr lang="uk-UA" baseline="0" dirty="0" smtClean="0"/>
+                            <a:t> абсолютна </a:t>
+                          </a:r>
+                          <a:r>
+                            <a:rPr lang="uk-UA" baseline="0" dirty="0" err="1" smtClean="0"/>
+                            <a:t>криптостійкість</a:t>
+                          </a:r>
+                          <a:endParaRPr lang="uk-UA" dirty="0" smtClean="0"/>
+                        </a:p>
+                        <a:p>
+                          <a:r>
+                            <a:rPr lang="uk-UA" dirty="0" smtClean="0"/>
+                            <a:t>Для</a:t>
+                          </a:r>
+                          <a:r>
+                            <a:rPr lang="uk-UA" baseline="0" dirty="0" smtClean="0"/>
+                            <a:t> роботи потрібно згенерувати випадкові числа</a:t>
+                          </a:r>
+                          <a:endParaRPr lang="ru-RU" dirty="0"/>
+                        </a:p>
+                      </a:txBody>
+                      <a:tcPr/>
+                    </a:tc>
+                  </a:tr>
+                  <a:tr h="0">
+                    <a:tc>
+                      <a:txBody>
+                        <a:bodyPr/>
+                        <a:lstStyle/>
+                        <a:p>
+                          <a:r>
+                            <a:rPr lang="uk-UA" dirty="0" smtClean="0"/>
+                            <a:t>Шифр </a:t>
+                          </a:r>
+                          <a:r>
+                            <a:rPr lang="en-US" dirty="0" smtClean="0"/>
+                            <a:t>DES</a:t>
+                          </a:r>
+                          <a:endParaRPr lang="ru-RU" dirty="0"/>
+                        </a:p>
+                      </a:txBody>
+                      <a:tcPr/>
+                    </a:tc>
+                    <a:tc>
+                      <a:txBody>
+                        <a:bodyPr/>
+                        <a:lstStyle/>
+                        <a:p>
+                          <a:r>
+                            <a:rPr lang="en-US" i="1" dirty="0" smtClean="0"/>
+                            <a:t>O(</a:t>
+                          </a:r>
+                          <a14:m>
+                            <m:oMath xmlns:m="http://schemas.openxmlformats.org/officeDocument/2006/math">
+                              <m:sSup>
+                                <m:sSupPr>
+                                  <m:ctrlPr>
+                                    <a:rPr lang="en-US" i="1" smtClean="0">
+                                      <a:latin typeface="Cambria Math" panose="02040503050406030204" pitchFamily="18" charset="0"/>
+                                    </a:rPr>
+                                  </m:ctrlPr>
+                                </m:sSupPr>
+                                <m:e>
+                                  <m:r>
+                                    <a:rPr lang="en-US" b="0" i="1" smtClean="0">
+                                      <a:latin typeface="Cambria Math" panose="02040503050406030204" pitchFamily="18" charset="0"/>
+                                    </a:rPr>
+                                    <m:t>𝑛</m:t>
+                                  </m:r>
+                                </m:e>
+                                <m:sup>
+                                  <m:r>
+                                    <a:rPr lang="uk-UA" b="0" i="1" smtClean="0">
+                                      <a:latin typeface="Cambria Math" panose="02040503050406030204" pitchFamily="18" charset="0"/>
+                                    </a:rPr>
+                                    <m:t>2</m:t>
+                                  </m:r>
+                                </m:sup>
+                              </m:sSup>
+                            </m:oMath>
+                          </a14:m>
+                          <a:r>
+                            <a:rPr lang="en-US" i="1" dirty="0" smtClean="0"/>
+                            <a:t>)</a:t>
+                          </a:r>
+                          <a:endParaRPr lang="ru-RU" i="1" dirty="0"/>
+                        </a:p>
+                      </a:txBody>
+                      <a:tcPr/>
+                    </a:tc>
+                    <a:tc>
+                      <a:txBody>
+                        <a:bodyPr/>
+                        <a:lstStyle/>
+                        <a:p>
+                          <a:r>
+                            <a:rPr lang="uk-UA" dirty="0" smtClean="0"/>
+                            <a:t>Не дешифрується за</a:t>
+                          </a:r>
+                          <a:r>
+                            <a:rPr lang="uk-UA" baseline="0" dirty="0" smtClean="0"/>
+                            <a:t> «нормальний» час</a:t>
+                          </a:r>
+                          <a:endParaRPr lang="ru-RU" dirty="0"/>
+                        </a:p>
+                      </a:txBody>
+                      <a:tcPr/>
+                    </a:tc>
+                  </a:tr>
+                  <a:tr h="370840">
+                    <a:tc>
+                      <a:txBody>
+                        <a:bodyPr/>
+                        <a:lstStyle/>
+                        <a:p>
+                          <a:r>
+                            <a:rPr lang="uk-UA" dirty="0" smtClean="0"/>
+                            <a:t>Розроблений</a:t>
+                          </a:r>
+                          <a:r>
+                            <a:rPr lang="uk-UA" baseline="0" dirty="0" smtClean="0"/>
+                            <a:t> </a:t>
+                          </a:r>
+                          <a:r>
+                            <a:rPr lang="uk-UA" baseline="0" dirty="0" smtClean="0"/>
+                            <a:t>шифр</a:t>
+                          </a:r>
+                          <a:endParaRPr lang="ru-RU" dirty="0"/>
+                        </a:p>
+                      </a:txBody>
+                      <a:tcPr/>
+                    </a:tc>
+                    <a:tc>
+                      <a:txBody>
+                        <a:bodyPr/>
+                        <a:lstStyle/>
+                        <a:p>
+                          <a:r>
+                            <a:rPr lang="en-US" i="1" dirty="0" smtClean="0"/>
+                            <a:t>O(</a:t>
+                          </a:r>
+                          <a14:m>
+                            <m:oMath xmlns:m="http://schemas.openxmlformats.org/officeDocument/2006/math">
+                              <m:r>
+                                <a:rPr lang="en-US" b="0" i="1" smtClean="0">
+                                  <a:latin typeface="Cambria Math" panose="02040503050406030204" pitchFamily="18" charset="0"/>
+                                </a:rPr>
+                                <m:t>𝑛𝑐</m:t>
+                              </m:r>
+                            </m:oMath>
+                          </a14:m>
+                          <a:r>
+                            <a:rPr lang="en-US" i="1" dirty="0" smtClean="0"/>
+                            <a:t>)</a:t>
+                          </a:r>
+                          <a:endParaRPr lang="ru-RU" i="1" dirty="0"/>
+                        </a:p>
+                      </a:txBody>
+                      <a:tcPr/>
+                    </a:tc>
+                    <a:tc>
+                      <a:txBody>
+                        <a:bodyPr/>
+                        <a:lstStyle/>
+                        <a:p>
+                          <a:r>
+                            <a:rPr lang="uk-UA" dirty="0" smtClean="0"/>
+                            <a:t>Час роботи залежить від кількості раундів</a:t>
+                          </a:r>
+                        </a:p>
+                        <a:p>
+                          <a:r>
+                            <a:rPr lang="uk-UA" dirty="0" err="1" smtClean="0"/>
+                            <a:t>Криптостійкий</a:t>
+                          </a:r>
+                          <a:r>
+                            <a:rPr lang="uk-UA" dirty="0" smtClean="0"/>
+                            <a:t> до атак методом </a:t>
+                          </a:r>
+                          <a:r>
+                            <a:rPr lang="uk-UA" dirty="0" err="1" smtClean="0"/>
+                            <a:t>Касіскі</a:t>
+                          </a:r>
+                          <a:endParaRPr lang="ru-RU" dirty="0"/>
+                        </a:p>
+                      </a:txBody>
+                      <a:tcPr/>
+                    </a:tc>
+                  </a:tr>
+                </a:tbl>
+              </a:graphicData>
+            </a:graphic>
+          </p:graphicFrame>
+        </mc:Choice>
+        <mc:Fallback>
+          <p:graphicFrame>
+            <p:nvGraphicFramePr>
+              <p:cNvPr id="6" name="Объект 5"/>
+              <p:cNvGraphicFramePr>
+                <a:graphicFrameLocks noGrp="1"/>
+              </p:cNvGraphicFramePr>
+              <p:nvPr>
+                <p:ph idx="1"/>
+                <p:extLst>
+                  <p:ext uri="{D42A27DB-BD31-4B8C-83A1-F6EECF244321}">
+                    <p14:modId xmlns:p14="http://schemas.microsoft.com/office/powerpoint/2010/main" val="917509534"/>
+                  </p:ext>
+                </p:extLst>
+              </p:nvPr>
+            </p:nvGraphicFramePr>
+            <p:xfrm>
+              <a:off x="1096963" y="1846263"/>
+              <a:ext cx="10058400" cy="3759200"/>
+            </p:xfrm>
+            <a:graphic>
+              <a:graphicData uri="http://schemas.openxmlformats.org/drawingml/2006/table">
+                <a:tbl>
+                  <a:tblPr firstRow="1" bandRow="1">
+                    <a:tableStyleId>{5C22544A-7EE6-4342-B048-85BDC9FD1C3A}</a:tableStyleId>
+                  </a:tblPr>
+                  <a:tblGrid>
+                    <a:gridCol w="3352800"/>
+                    <a:gridCol w="3352800"/>
+                    <a:gridCol w="3352800"/>
+                  </a:tblGrid>
+                  <a:tr h="370840">
+                    <a:tc>
+                      <a:txBody>
+                        <a:bodyPr/>
+                        <a:lstStyle/>
+                        <a:p>
+                          <a:r>
+                            <a:rPr lang="uk-UA" dirty="0" smtClean="0"/>
+                            <a:t>Шифри</a:t>
+                          </a:r>
+                          <a:endParaRPr lang="ru-RU" dirty="0"/>
+                        </a:p>
+                      </a:txBody>
+                      <a:tcPr/>
+                    </a:tc>
+                    <a:tc>
+                      <a:txBody>
+                        <a:bodyPr/>
+                        <a:lstStyle/>
+                        <a:p>
+                          <a:r>
+                            <a:rPr lang="uk-UA" dirty="0" smtClean="0"/>
+                            <a:t>Час роботи</a:t>
+                          </a:r>
+                          <a:endParaRPr lang="ru-RU" dirty="0"/>
+                        </a:p>
+                      </a:txBody>
+                      <a:tcPr/>
+                    </a:tc>
+                    <a:tc>
+                      <a:txBody>
+                        <a:bodyPr/>
+                        <a:lstStyle/>
+                        <a:p>
+                          <a:r>
+                            <a:rPr lang="uk-UA" dirty="0" smtClean="0"/>
+                            <a:t>Особливості</a:t>
+                          </a:r>
+                          <a:endParaRPr lang="ru-RU" dirty="0"/>
+                        </a:p>
+                      </a:txBody>
+                      <a:tcPr/>
+                    </a:tc>
+                  </a:tr>
+                  <a:tr h="370840">
+                    <a:tc>
+                      <a:txBody>
+                        <a:bodyPr/>
+                        <a:lstStyle/>
+                        <a:p>
+                          <a:r>
+                            <a:rPr lang="uk-UA" dirty="0" smtClean="0"/>
+                            <a:t>Шифр</a:t>
+                          </a:r>
+                          <a:r>
+                            <a:rPr lang="uk-UA" baseline="0" dirty="0" smtClean="0"/>
+                            <a:t> </a:t>
+                          </a:r>
+                          <a:r>
+                            <a:rPr lang="uk-UA" baseline="0" dirty="0" err="1" smtClean="0"/>
+                            <a:t>Віженера</a:t>
+                          </a:r>
+                          <a:endParaRPr lang="ru-RU" dirty="0"/>
+                        </a:p>
+                      </a:txBody>
+                      <a:tcPr/>
+                    </a:tc>
+                    <a:tc>
+                      <a:txBody>
+                        <a:bodyPr/>
+                        <a:lstStyle/>
+                        <a:p>
+                          <a:endParaRPr lang="ru-RU"/>
+                        </a:p>
+                      </a:txBody>
+                      <a:tcPr>
+                        <a:blipFill rotWithShape="0">
+                          <a:blip r:embed="rId2"/>
+                          <a:stretch>
+                            <a:fillRect l="-100000" t="-108197" r="-100726" b="-839344"/>
+                          </a:stretch>
+                        </a:blipFill>
+                      </a:tcPr>
+                    </a:tc>
+                    <a:tc>
+                      <a:txBody>
+                        <a:bodyPr/>
+                        <a:lstStyle/>
+                        <a:p>
+                          <a:r>
+                            <a:rPr lang="uk-UA" dirty="0" smtClean="0"/>
+                            <a:t>Піддається</a:t>
+                          </a:r>
+                          <a:r>
+                            <a:rPr lang="uk-UA" baseline="0" dirty="0" smtClean="0"/>
+                            <a:t> дешифруванню</a:t>
+                          </a:r>
+                          <a:endParaRPr lang="ru-RU" dirty="0"/>
+                        </a:p>
+                      </a:txBody>
+                      <a:tcPr/>
+                    </a:tc>
+                  </a:tr>
+                  <a:tr h="1188720">
+                    <a:tc>
+                      <a:txBody>
+                        <a:bodyPr/>
+                        <a:lstStyle/>
+                        <a:p>
+                          <a:r>
+                            <a:rPr lang="uk-UA" dirty="0" smtClean="0"/>
+                            <a:t>Шифр </a:t>
+                          </a:r>
+                          <a:r>
+                            <a:rPr lang="uk-UA" dirty="0" err="1" smtClean="0"/>
+                            <a:t>Вєрнама</a:t>
+                          </a:r>
+                          <a:endParaRPr lang="ru-RU" dirty="0"/>
+                        </a:p>
+                      </a:txBody>
+                      <a:tcPr/>
+                    </a:tc>
+                    <a:tc>
+                      <a:txBody>
+                        <a:bodyPr/>
+                        <a:lstStyle/>
+                        <a:p>
+                          <a:endParaRPr lang="ru-RU"/>
+                        </a:p>
+                      </a:txBody>
+                      <a:tcPr>
+                        <a:blipFill rotWithShape="0">
+                          <a:blip r:embed="rId2"/>
+                          <a:stretch>
+                            <a:fillRect l="-100000" t="-65128" r="-100726" b="-162564"/>
+                          </a:stretch>
+                        </a:blipFill>
+                      </a:tcPr>
+                    </a:tc>
+                    <a:tc>
+                      <a:txBody>
+                        <a:bodyPr/>
+                        <a:lstStyle/>
+                        <a:p>
+                          <a:r>
+                            <a:rPr lang="uk-UA" dirty="0" smtClean="0"/>
+                            <a:t>Доведена</a:t>
+                          </a:r>
+                          <a:r>
+                            <a:rPr lang="uk-UA" baseline="0" dirty="0" smtClean="0"/>
+                            <a:t> абсолютна </a:t>
+                          </a:r>
+                          <a:r>
+                            <a:rPr lang="uk-UA" baseline="0" dirty="0" err="1" smtClean="0"/>
+                            <a:t>криптостійкість</a:t>
+                          </a:r>
+                          <a:endParaRPr lang="uk-UA" dirty="0" smtClean="0"/>
+                        </a:p>
+                        <a:p>
+                          <a:r>
+                            <a:rPr lang="uk-UA" dirty="0" smtClean="0"/>
+                            <a:t>Для</a:t>
+                          </a:r>
+                          <a:r>
+                            <a:rPr lang="uk-UA" baseline="0" dirty="0" smtClean="0"/>
+                            <a:t> роботи потрібно згенерувати випадкові числа</a:t>
+                          </a:r>
+                          <a:endParaRPr lang="ru-RU" dirty="0"/>
+                        </a:p>
+                      </a:txBody>
+                      <a:tcPr/>
+                    </a:tc>
+                  </a:tr>
+                  <a:tr h="640080">
+                    <a:tc>
+                      <a:txBody>
+                        <a:bodyPr/>
+                        <a:lstStyle/>
+                        <a:p>
+                          <a:r>
+                            <a:rPr lang="uk-UA" dirty="0" smtClean="0"/>
+                            <a:t>Шифр </a:t>
+                          </a:r>
+                          <a:r>
+                            <a:rPr lang="en-US" dirty="0" smtClean="0"/>
+                            <a:t>DES</a:t>
+                          </a:r>
+                          <a:endParaRPr lang="ru-RU" dirty="0"/>
+                        </a:p>
+                      </a:txBody>
+                      <a:tcPr/>
+                    </a:tc>
+                    <a:tc>
+                      <a:txBody>
+                        <a:bodyPr/>
+                        <a:lstStyle/>
+                        <a:p>
+                          <a:endParaRPr lang="ru-RU"/>
+                        </a:p>
+                      </a:txBody>
+                      <a:tcPr>
+                        <a:blipFill rotWithShape="0">
+                          <a:blip r:embed="rId2"/>
+                          <a:stretch>
+                            <a:fillRect l="-100000" t="-303774" r="-100726" b="-199057"/>
+                          </a:stretch>
+                        </a:blipFill>
+                      </a:tcPr>
+                    </a:tc>
+                    <a:tc>
+                      <a:txBody>
+                        <a:bodyPr/>
+                        <a:lstStyle/>
+                        <a:p>
+                          <a:r>
+                            <a:rPr lang="uk-UA" dirty="0" smtClean="0"/>
+                            <a:t>Не дешифрується за</a:t>
+                          </a:r>
+                          <a:r>
+                            <a:rPr lang="uk-UA" baseline="0" dirty="0" smtClean="0"/>
+                            <a:t> «нормальний» час</a:t>
+                          </a:r>
+                          <a:endParaRPr lang="ru-RU" dirty="0"/>
+                        </a:p>
+                      </a:txBody>
+                      <a:tcPr/>
+                    </a:tc>
+                  </a:tr>
+                  <a:tr h="1188720">
+                    <a:tc>
+                      <a:txBody>
+                        <a:bodyPr/>
+                        <a:lstStyle/>
+                        <a:p>
+                          <a:r>
+                            <a:rPr lang="uk-UA" dirty="0" smtClean="0"/>
+                            <a:t>Розроблений</a:t>
+                          </a:r>
+                          <a:r>
+                            <a:rPr lang="uk-UA" baseline="0" dirty="0" smtClean="0"/>
+                            <a:t> </a:t>
+                          </a:r>
+                          <a:r>
+                            <a:rPr lang="uk-UA" baseline="0" dirty="0" smtClean="0"/>
+                            <a:t>шифр</a:t>
+                          </a:r>
+                          <a:endParaRPr lang="ru-RU" dirty="0"/>
+                        </a:p>
+                      </a:txBody>
+                      <a:tcPr/>
+                    </a:tc>
+                    <a:tc>
+                      <a:txBody>
+                        <a:bodyPr/>
+                        <a:lstStyle/>
+                        <a:p>
+                          <a:endParaRPr lang="ru-RU"/>
+                        </a:p>
+                      </a:txBody>
+                      <a:tcPr>
+                        <a:blipFill rotWithShape="0">
+                          <a:blip r:embed="rId2"/>
+                          <a:stretch>
+                            <a:fillRect l="-100000" t="-219487" r="-100726" b="-8205"/>
+                          </a:stretch>
+                        </a:blipFill>
+                      </a:tcPr>
+                    </a:tc>
+                    <a:tc>
+                      <a:txBody>
+                        <a:bodyPr/>
+                        <a:lstStyle/>
+                        <a:p>
+                          <a:r>
+                            <a:rPr lang="uk-UA" dirty="0" smtClean="0"/>
+                            <a:t>Час роботи залежить від кількості раундів</a:t>
+                          </a:r>
+                        </a:p>
+                        <a:p>
+                          <a:r>
+                            <a:rPr lang="uk-UA" dirty="0" err="1" smtClean="0"/>
+                            <a:t>Криптостійкий</a:t>
+                          </a:r>
+                          <a:r>
+                            <a:rPr lang="uk-UA" dirty="0" smtClean="0"/>
+                            <a:t> до атак методом </a:t>
+                          </a:r>
+                          <a:r>
+                            <a:rPr lang="uk-UA" dirty="0" err="1" smtClean="0"/>
+                            <a:t>Касіскі</a:t>
+                          </a:r>
+                          <a:endParaRPr lang="ru-RU" dirty="0"/>
+                        </a:p>
+                      </a:txBody>
+                      <a:tcPr/>
+                    </a:tc>
+                  </a:tr>
+                </a:tbl>
+              </a:graphicData>
+            </a:graphic>
+          </p:graphicFrame>
+        </mc:Fallback>
+      </mc:AlternateContent>
+      <p:sp>
+        <p:nvSpPr>
+          <p:cNvPr id="7" name="TextBox 6"/>
+          <p:cNvSpPr txBox="1"/>
+          <p:nvPr/>
+        </p:nvSpPr>
+        <p:spPr>
+          <a:xfrm>
+            <a:off x="8449056" y="5527422"/>
+            <a:ext cx="3401568" cy="1077218"/>
+          </a:xfrm>
+          <a:prstGeom prst="rect">
+            <a:avLst/>
+          </a:prstGeom>
+          <a:noFill/>
+        </p:spPr>
+        <p:txBody>
+          <a:bodyPr wrap="square" rtlCol="0">
+            <a:spAutoFit/>
+          </a:bodyPr>
+          <a:lstStyle/>
+          <a:p>
+            <a:r>
+              <a:rPr lang="en-US" sz="1600" i="1" dirty="0" smtClean="0"/>
+              <a:t>n – </a:t>
+            </a:r>
+            <a:r>
+              <a:rPr lang="uk-UA" sz="1600" i="1" dirty="0" smtClean="0"/>
+              <a:t>довжина тексту</a:t>
+            </a:r>
+          </a:p>
+          <a:p>
+            <a:r>
+              <a:rPr lang="en-US" sz="1600" i="1" dirty="0" smtClean="0"/>
+              <a:t>k – </a:t>
+            </a:r>
+            <a:r>
+              <a:rPr lang="uk-UA" sz="1600" i="1" dirty="0" smtClean="0"/>
+              <a:t>час генерації випадкового числа</a:t>
+            </a:r>
+            <a:endParaRPr lang="en-US" sz="1600" i="1" dirty="0" smtClean="0"/>
+          </a:p>
+          <a:p>
+            <a:r>
+              <a:rPr lang="en-US" sz="1600" i="1" dirty="0" smtClean="0"/>
+              <a:t>c – </a:t>
+            </a:r>
+            <a:r>
+              <a:rPr lang="uk-UA" sz="1600" i="1" dirty="0" smtClean="0"/>
+              <a:t>кількість раундів</a:t>
+            </a:r>
+          </a:p>
+          <a:p>
+            <a:endParaRPr lang="ru-RU" sz="1600" i="1" dirty="0"/>
+          </a:p>
+        </p:txBody>
+      </p:sp>
+    </p:spTree>
+    <p:extLst>
+      <p:ext uri="{BB962C8B-B14F-4D97-AF65-F5344CB8AC3E}">
+        <p14:creationId xmlns:p14="http://schemas.microsoft.com/office/powerpoint/2010/main" val="33561733"/>
+      </p:ext>
+    </p:extLst>
+  </p:cSld>
+  <p:clrMapOvr>
+    <a:masterClrMapping/>
+  </p:clrMapOvr>
+  <p:timing>
+    <p:tnLst>
+      <p:par>
+        <p:cTn id="1" dur="indefinite" restart="never" nodeType="tmRoot"/>
+      </p:par>
+    </p:tnLst>
+  </p:timing>
+</p:sld>
+</file>
+
+<file path=ppt/slides/slide12.xml><?xml version="1.0" encoding="utf-8"?>
+<p:sld xmlns:a="http://schemas.openxmlformats.org/drawingml/2006/main" xmlns:r="http://schemas.openxmlformats.org/officeDocument/2006/relationships" xmlns:p="http://schemas.openxmlformats.org/presentationml/2006/main">
+  <p:cSld>
+    <p:spTree>
+      <p:nvGrpSpPr>
+        <p:cNvPr id="1" name=""/>
+        <p:cNvGrpSpPr/>
+        <p:nvPr/>
+      </p:nvGrpSpPr>
+      <p:grpSpPr>
+        <a:xfrm>
+          <a:off x="0" y="0"/>
+          <a:ext cx="0" cy="0"/>
+          <a:chOff x="0" y="0"/>
+          <a:chExt cx="0" cy="0"/>
+        </a:xfrm>
+      </p:grpSpPr>
+      <p:sp>
+        <p:nvSpPr>
+          <p:cNvPr id="2" name="Заголовок 1"/>
+          <p:cNvSpPr>
+            <a:spLocks noGrp="1"/>
+          </p:cNvSpPr>
+          <p:nvPr>
+            <p:ph type="title"/>
+          </p:nvPr>
+        </p:nvSpPr>
+        <p:spPr/>
+        <p:txBody>
+          <a:bodyPr/>
+          <a:lstStyle/>
+          <a:p>
+            <a:r>
+              <a:rPr lang="uk-UA" dirty="0" smtClean="0"/>
+              <a:t>Час роботи шифру </a:t>
+            </a:r>
+            <a:r>
+              <a:rPr lang="uk-UA" dirty="0" err="1" smtClean="0"/>
+              <a:t>Віженера</a:t>
+            </a:r>
+            <a:endParaRPr lang="ru-RU" dirty="0"/>
+          </a:p>
+        </p:txBody>
+      </p:sp>
+      <p:pic>
+        <p:nvPicPr>
+          <p:cNvPr id="4" name="Объект 3"/>
+          <p:cNvPicPr>
+            <a:picLocks noGrp="1" noChangeAspect="1"/>
+          </p:cNvPicPr>
+          <p:nvPr>
+            <p:ph idx="1"/>
+          </p:nvPr>
+        </p:nvPicPr>
+        <p:blipFill>
+          <a:blip r:embed="rId2">
+            <a:extLst>
+              <a:ext uri="{28A0092B-C50C-407E-A947-70E740481C1C}">
+                <a14:useLocalDpi xmlns:a14="http://schemas.microsoft.com/office/drawing/2010/main" val="0"/>
+              </a:ext>
+            </a:extLst>
+          </a:blip>
+          <a:stretch>
+            <a:fillRect/>
+          </a:stretch>
+        </p:blipFill>
+        <p:spPr>
+          <a:xfrm>
+            <a:off x="1888392" y="2332061"/>
+            <a:ext cx="8476175" cy="1279819"/>
+          </a:xfrm>
+        </p:spPr>
+      </p:pic>
+    </p:spTree>
+    <p:extLst>
+      <p:ext uri="{BB962C8B-B14F-4D97-AF65-F5344CB8AC3E}">
+        <p14:creationId xmlns:p14="http://schemas.microsoft.com/office/powerpoint/2010/main" val="1955171928"/>
+      </p:ext>
+    </p:extLst>
+  </p:cSld>
+  <p:clrMapOvr>
+    <a:masterClrMapping/>
+  </p:clrMapOvr>
+  <p:timing>
+    <p:tnLst>
+      <p:par>
+        <p:cTn id="1" dur="indefinite" restart="never" nodeType="tmRoot"/>
+      </p:par>
+    </p:tnLst>
+  </p:timing>
+</p:sld>
+</file>
+
+<file path=ppt/slides/slide13.xml><?xml version="1.0" encoding="utf-8"?>
+<p:sld xmlns:a="http://schemas.openxmlformats.org/drawingml/2006/main" xmlns:r="http://schemas.openxmlformats.org/officeDocument/2006/relationships" xmlns:p="http://schemas.openxmlformats.org/presentationml/2006/main">
+  <p:cSld>
+    <p:spTree>
+      <p:nvGrpSpPr>
+        <p:cNvPr id="1" name=""/>
+        <p:cNvGrpSpPr/>
+        <p:nvPr/>
+      </p:nvGrpSpPr>
+      <p:grpSpPr>
+        <a:xfrm>
+          <a:off x="0" y="0"/>
+          <a:ext cx="0" cy="0"/>
+          <a:chOff x="0" y="0"/>
+          <a:chExt cx="0" cy="0"/>
+        </a:xfrm>
+      </p:grpSpPr>
+      <p:sp>
+        <p:nvSpPr>
+          <p:cNvPr id="2" name="Заголовок 1"/>
+          <p:cNvSpPr>
+            <a:spLocks noGrp="1"/>
+          </p:cNvSpPr>
+          <p:nvPr>
+            <p:ph type="title"/>
+          </p:nvPr>
+        </p:nvSpPr>
+        <p:spPr/>
+        <p:txBody>
+          <a:bodyPr/>
+          <a:lstStyle/>
+          <a:p>
+            <a:r>
+              <a:rPr lang="uk-UA" dirty="0" smtClean="0"/>
+              <a:t>Час роботи </a:t>
+            </a:r>
+            <a:r>
+              <a:rPr lang="uk-UA" dirty="0" smtClean="0"/>
+              <a:t>розробленого шифру</a:t>
+            </a:r>
+            <a:endParaRPr lang="ru-RU" dirty="0"/>
+          </a:p>
+        </p:txBody>
+      </p:sp>
+      <p:pic>
+        <p:nvPicPr>
+          <p:cNvPr id="4" name="Объект 3"/>
+          <p:cNvPicPr>
+            <a:picLocks noGrp="1" noChangeAspect="1"/>
+          </p:cNvPicPr>
+          <p:nvPr>
+            <p:ph idx="1"/>
+          </p:nvPr>
+        </p:nvPicPr>
+        <p:blipFill>
+          <a:blip r:embed="rId2">
+            <a:extLst>
+              <a:ext uri="{28A0092B-C50C-407E-A947-70E740481C1C}">
+                <a14:useLocalDpi xmlns:a14="http://schemas.microsoft.com/office/drawing/2010/main" val="0"/>
+              </a:ext>
+            </a:extLst>
+          </a:blip>
+          <a:stretch>
+            <a:fillRect/>
+          </a:stretch>
+        </p:blipFill>
+        <p:spPr>
+          <a:xfrm>
+            <a:off x="2776853" y="2489024"/>
+            <a:ext cx="6699253" cy="1689079"/>
+          </a:xfrm>
+        </p:spPr>
+      </p:pic>
+    </p:spTree>
+    <p:extLst>
+      <p:ext uri="{BB962C8B-B14F-4D97-AF65-F5344CB8AC3E}">
+        <p14:creationId xmlns:p14="http://schemas.microsoft.com/office/powerpoint/2010/main" val="2609144548"/>
+      </p:ext>
+    </p:extLst>
+  </p:cSld>
+  <p:clrMapOvr>
+    <a:masterClrMapping/>
+  </p:clrMapOvr>
+  <p:timing>
+    <p:tnLst>
+      <p:par>
+        <p:cTn id="1" dur="indefinite" restart="never" nodeType="tmRoot"/>
+      </p:par>
+    </p:tnLst>
+  </p:timing>
+</p:sld>
+</file>
+
+<file path=ppt/slides/slide14.xml><?xml version="1.0" encoding="utf-8"?>
+<p:sld xmlns:a="http://schemas.openxmlformats.org/drawingml/2006/main" xmlns:r="http://schemas.openxmlformats.org/officeDocument/2006/relationships" xmlns:p="http://schemas.openxmlformats.org/presentationml/2006/main">
+  <p:cSld>
+    <p:spTree>
+      <p:nvGrpSpPr>
+        <p:cNvPr id="1" name=""/>
+        <p:cNvGrpSpPr/>
+        <p:nvPr/>
+      </p:nvGrpSpPr>
+      <p:grpSpPr>
+        <a:xfrm>
+          <a:off x="0" y="0"/>
+          <a:ext cx="0" cy="0"/>
+          <a:chOff x="0" y="0"/>
+          <a:chExt cx="0" cy="0"/>
+        </a:xfrm>
+      </p:grpSpPr>
+      <p:sp>
+        <p:nvSpPr>
+          <p:cNvPr id="2" name="Заголовок 1"/>
+          <p:cNvSpPr>
+            <a:spLocks noGrp="1"/>
+          </p:cNvSpPr>
+          <p:nvPr>
+            <p:ph type="title"/>
+          </p:nvPr>
+        </p:nvSpPr>
+        <p:spPr/>
+        <p:txBody>
+          <a:bodyPr/>
+          <a:lstStyle/>
+          <a:p>
+            <a:r>
+              <a:rPr lang="uk-UA" dirty="0" smtClean="0"/>
+              <a:t>Приклад роботи програми (сервер)</a:t>
+            </a:r>
+            <a:endParaRPr lang="ru-RU" dirty="0"/>
+          </a:p>
+        </p:txBody>
+      </p:sp>
+      <p:pic>
+        <p:nvPicPr>
+          <p:cNvPr id="9" name="Объект 8"/>
+          <p:cNvPicPr>
+            <a:picLocks noGrp="1" noChangeAspect="1"/>
+          </p:cNvPicPr>
+          <p:nvPr>
+            <p:ph idx="1"/>
+          </p:nvPr>
+        </p:nvPicPr>
+        <p:blipFill>
+          <a:blip r:embed="rId2">
+            <a:extLst>
+              <a:ext uri="{28A0092B-C50C-407E-A947-70E740481C1C}">
+                <a14:useLocalDpi xmlns:a14="http://schemas.microsoft.com/office/drawing/2010/main" val="0"/>
+              </a:ext>
+            </a:extLst>
+          </a:blip>
+          <a:stretch>
+            <a:fillRect/>
+          </a:stretch>
+        </p:blipFill>
+        <p:spPr>
+          <a:xfrm>
+            <a:off x="4393727" y="2005366"/>
+            <a:ext cx="3465506" cy="4022725"/>
+          </a:xfrm>
+        </p:spPr>
+      </p:pic>
+    </p:spTree>
+    <p:extLst>
+      <p:ext uri="{BB962C8B-B14F-4D97-AF65-F5344CB8AC3E}">
+        <p14:creationId xmlns:p14="http://schemas.microsoft.com/office/powerpoint/2010/main" val="3740529121"/>
+      </p:ext>
+    </p:extLst>
+  </p:cSld>
+  <p:clrMapOvr>
+    <a:masterClrMapping/>
+  </p:clrMapOvr>
+  <p:timing>
+    <p:tnLst>
+      <p:par>
+        <p:cTn id="1" dur="indefinite" restart="never" nodeType="tmRoot"/>
+      </p:par>
+    </p:tnLst>
+  </p:timing>
+</p:sld>
+</file>
+
+<file path=ppt/slides/slide15.xml><?xml version="1.0" encoding="utf-8"?>
+<p:sld xmlns:a="http://schemas.openxmlformats.org/drawingml/2006/main" xmlns:r="http://schemas.openxmlformats.org/officeDocument/2006/relationships" xmlns:p="http://schemas.openxmlformats.org/presentationml/2006/main">
+  <p:cSld>
+    <p:spTree>
+      <p:nvGrpSpPr>
+        <p:cNvPr id="1" name=""/>
+        <p:cNvGrpSpPr/>
+        <p:nvPr/>
+      </p:nvGrpSpPr>
+      <p:grpSpPr>
+        <a:xfrm>
+          <a:off x="0" y="0"/>
+          <a:ext cx="0" cy="0"/>
+          <a:chOff x="0" y="0"/>
+          <a:chExt cx="0" cy="0"/>
+        </a:xfrm>
+      </p:grpSpPr>
+      <p:sp>
+        <p:nvSpPr>
+          <p:cNvPr id="2" name="Заголовок 1"/>
+          <p:cNvSpPr>
+            <a:spLocks noGrp="1"/>
+          </p:cNvSpPr>
+          <p:nvPr>
+            <p:ph type="title"/>
+          </p:nvPr>
+        </p:nvSpPr>
+        <p:spPr/>
+        <p:txBody>
+          <a:bodyPr/>
+          <a:lstStyle/>
+          <a:p>
+            <a:r>
+              <a:rPr lang="uk-UA" dirty="0" smtClean="0"/>
+              <a:t>Приклад роботи програми (клієнт)</a:t>
+            </a:r>
+            <a:endParaRPr lang="ru-RU" dirty="0"/>
+          </a:p>
+        </p:txBody>
+      </p:sp>
+      <p:pic>
+        <p:nvPicPr>
+          <p:cNvPr id="4" name="Объект 3"/>
+          <p:cNvPicPr>
+            <a:picLocks noGrp="1" noChangeAspect="1"/>
+          </p:cNvPicPr>
+          <p:nvPr>
+            <p:ph idx="1"/>
+          </p:nvPr>
+        </p:nvPicPr>
+        <p:blipFill>
+          <a:blip r:embed="rId2">
+            <a:extLst>
+              <a:ext uri="{28A0092B-C50C-407E-A947-70E740481C1C}">
+                <a14:useLocalDpi xmlns:a14="http://schemas.microsoft.com/office/drawing/2010/main" val="0"/>
+              </a:ext>
+            </a:extLst>
+          </a:blip>
+          <a:stretch>
+            <a:fillRect/>
+          </a:stretch>
+        </p:blipFill>
+        <p:spPr>
+          <a:xfrm>
+            <a:off x="254797" y="2520935"/>
+            <a:ext cx="3604572" cy="3276884"/>
+          </a:xfrm>
+        </p:spPr>
+      </p:pic>
+      <p:pic>
+        <p:nvPicPr>
+          <p:cNvPr id="5" name="Рисунок 4"/>
+          <p:cNvPicPr>
+            <a:picLocks noChangeAspect="1"/>
+          </p:cNvPicPr>
+          <p:nvPr/>
+        </p:nvPicPr>
+        <p:blipFill>
+          <a:blip r:embed="rId3">
+            <a:extLst>
+              <a:ext uri="{28A0092B-C50C-407E-A947-70E740481C1C}">
+                <a14:useLocalDpi xmlns:a14="http://schemas.microsoft.com/office/drawing/2010/main" val="0"/>
+              </a:ext>
+            </a:extLst>
+          </a:blip>
+          <a:stretch>
+            <a:fillRect/>
+          </a:stretch>
+        </p:blipFill>
+        <p:spPr>
+          <a:xfrm>
+            <a:off x="8164498" y="2520935"/>
+            <a:ext cx="3748024" cy="3276884"/>
+          </a:xfrm>
+          <a:prstGeom prst="rect">
+            <a:avLst/>
+          </a:prstGeom>
+        </p:spPr>
+      </p:pic>
+      <p:pic>
+        <p:nvPicPr>
+          <p:cNvPr id="6" name="Рисунок 5"/>
+          <p:cNvPicPr>
+            <a:picLocks noChangeAspect="1"/>
+          </p:cNvPicPr>
+          <p:nvPr/>
+        </p:nvPicPr>
+        <p:blipFill>
+          <a:blip r:embed="rId4">
+            <a:extLst>
+              <a:ext uri="{28A0092B-C50C-407E-A947-70E740481C1C}">
+                <a14:useLocalDpi xmlns:a14="http://schemas.microsoft.com/office/drawing/2010/main" val="0"/>
+              </a:ext>
+            </a:extLst>
+          </a:blip>
+          <a:stretch>
+            <a:fillRect/>
+          </a:stretch>
+        </p:blipFill>
+        <p:spPr>
+          <a:xfrm>
+            <a:off x="4057234" y="2185626"/>
+            <a:ext cx="3909399" cy="1973751"/>
+          </a:xfrm>
+          <a:prstGeom prst="rect">
+            <a:avLst/>
+          </a:prstGeom>
+        </p:spPr>
+      </p:pic>
+    </p:spTree>
+    <p:extLst>
+      <p:ext uri="{BB962C8B-B14F-4D97-AF65-F5344CB8AC3E}">
+        <p14:creationId xmlns:p14="http://schemas.microsoft.com/office/powerpoint/2010/main" val="4064053392"/>
+      </p:ext>
+    </p:extLst>
+  </p:cSld>
+  <p:clrMapOvr>
+    <a:masterClrMapping/>
+  </p:clrMapOvr>
+  <p:timing>
+    <p:tnLst>
+      <p:par>
+        <p:cTn id="1" dur="indefinite" restart="never" nodeType="tmRoot"/>
+      </p:par>
+    </p:tnLst>
+  </p:timing>
+</p:sld>
+</file>
+
+<file path=ppt/slides/slide16.xml><?xml version="1.0" encoding="utf-8"?>
+<p:sld xmlns:a="http://schemas.openxmlformats.org/drawingml/2006/main" xmlns:r="http://schemas.openxmlformats.org/officeDocument/2006/relationships" xmlns:p="http://schemas.openxmlformats.org/presentationml/2006/main">
+  <p:cSld>
+    <p:spTree>
+      <p:nvGrpSpPr>
+        <p:cNvPr id="1" name=""/>
+        <p:cNvGrpSpPr/>
+        <p:nvPr/>
+      </p:nvGrpSpPr>
+      <p:grpSpPr>
+        <a:xfrm>
+          <a:off x="0" y="0"/>
+          <a:ext cx="0" cy="0"/>
+          <a:chOff x="0" y="0"/>
+          <a:chExt cx="0" cy="0"/>
+        </a:xfrm>
+      </p:grpSpPr>
+      <p:sp>
+        <p:nvSpPr>
+          <p:cNvPr id="2" name="Заголовок 1"/>
+          <p:cNvSpPr>
+            <a:spLocks noGrp="1"/>
+          </p:cNvSpPr>
+          <p:nvPr>
+            <p:ph type="title"/>
+          </p:nvPr>
+        </p:nvSpPr>
+        <p:spPr/>
+        <p:txBody>
+          <a:bodyPr/>
+          <a:lstStyle/>
+          <a:p>
+            <a:r>
+              <a:rPr lang="uk-UA" dirty="0" smtClean="0"/>
               <a:t>Висновки</a:t>
             </a:r>
             <a:endParaRPr lang="ru-RU" dirty="0"/>
@@ -3981,7 +5469,7 @@
             </a:r>
             <a:r>
               <a:rPr lang="uk-UA" dirty="0" smtClean="0"/>
-              <a:t>та мій шифр будуть шифрувати повідомлення краще за </a:t>
+              <a:t>та розроблений шифр будуть шифрувати повідомлення краще за </a:t>
             </a:r>
             <a:r>
               <a:rPr lang="uk-UA" dirty="0" err="1" smtClean="0"/>
@@ -4011,7 +5499,7 @@
             </a:pPr>
             <a:r>
               <a:rPr lang="uk-UA" dirty="0" smtClean="0"/>
-              <a:t> На великих рядках краще працює мій шифр, ніж шифр </a:t>
+              <a:t> На великих рядках краще працює розроблений шифр, ніж шифр </a:t>
             </a:r>
             <a:r>
               <a:rPr lang="en-US" dirty="0" smtClean="0"/>
@@ -4041,6 +5529,92 @@
 </p:sld>
 </file>
 
+<file path=ppt/slides/slide17.xml><?xml version="1.0" encoding="utf-8"?>
+<p:sld xmlns:a="http://schemas.openxmlformats.org/drawingml/2006/main" xmlns:r="http://schemas.openxmlformats.org/officeDocument/2006/relationships" xmlns:p="http://schemas.openxmlformats.org/presentationml/2006/main">
+  <p:cSld>
+    <p:spTree>
+      <p:nvGrpSpPr>
+        <p:cNvPr id="1" name=""/>
+        <p:cNvGrpSpPr/>
+        <p:nvPr/>
+      </p:nvGrpSpPr>
+      <p:grpSpPr>
+        <a:xfrm>
+          <a:off x="0" y="0"/>
+          <a:ext cx="0" cy="0"/>
+          <a:chOff x="0" y="0"/>
+          <a:chExt cx="0" cy="0"/>
+        </a:xfrm>
+      </p:grpSpPr>
+      <p:sp>
+        <p:nvSpPr>
+          <p:cNvPr id="2" name="Заголовок 1"/>
+          <p:cNvSpPr>
+            <a:spLocks noGrp="1"/>
+          </p:cNvSpPr>
+          <p:nvPr>
+            <p:ph type="title"/>
+          </p:nvPr>
+        </p:nvSpPr>
+        <p:spPr/>
+        <p:txBody>
+          <a:bodyPr>
+            <a:normAutofit/>
+          </a:bodyPr>
+          <a:lstStyle/>
+          <a:p>
+            <a:pPr algn="ctr"/>
+            <a:r>
+              <a:rPr lang="uk-UA" sz="7200" dirty="0" smtClean="0"/>
+              <a:t>ДЯКУЮ ЗА УВАГУ!</a:t>
+            </a:r>
+            <a:endParaRPr lang="ru-RU" sz="7200" dirty="0"/>
+          </a:p>
+        </p:txBody>
+      </p:sp>
+      <p:sp>
+        <p:nvSpPr>
+          <p:cNvPr id="3" name="Объект 2"/>
+          <p:cNvSpPr>
+            <a:spLocks noGrp="1"/>
+          </p:cNvSpPr>
+          <p:nvPr>
+            <p:ph idx="1"/>
+          </p:nvPr>
+        </p:nvSpPr>
+        <p:spPr>
+          <a:xfrm>
+            <a:off x="10753344" y="5687568"/>
+            <a:ext cx="402336" cy="181526"/>
+          </a:xfrm>
+        </p:spPr>
+        <p:txBody>
+          <a:bodyPr>
+            <a:normAutofit fontScale="40000" lnSpcReduction="20000"/>
+          </a:bodyPr>
+          <a:lstStyle/>
+          <a:p>
+            <a:r>
+              <a:rPr lang="uk-UA" dirty="0" smtClean="0"/>
+              <a:t> </a:t>
+            </a:r>
+            <a:endParaRPr lang="ru-RU" dirty="0"/>
+          </a:p>
+        </p:txBody>
+      </p:sp>
+    </p:spTree>
+    <p:extLst>
+      <p:ext uri="{BB962C8B-B14F-4D97-AF65-F5344CB8AC3E}">
+        <p14:creationId xmlns:p14="http://schemas.microsoft.com/office/powerpoint/2010/main" val="3811226255"/>
+      </p:ext>
+    </p:extLst>
+  </p:cSld>
+  <p:clrMapOvr>
+    <a:masterClrMapping/>
+  </p:clrMapOvr>
+</p:sld>
+</file>
+
 <file path=ppt/slides/slide2.xml><?xml version="1.0" encoding="utf-8"?>
 <p:sld xmlns:a="http://schemas.openxmlformats.org/drawingml/2006/main" xmlns:r="http://schemas.openxmlformats.org/officeDocument/2006/relationships" xmlns:p="http://schemas.openxmlformats.org/presentationml/2006/main">
   <p:cSld>
@@ -4151,6 +5725,24 @@
             <a:r>
               <a:rPr lang="uk-UA" sz="2800" dirty="0" smtClean="0"/>
               <a:t>Безпека особистої інформації</a:t>
+            </a:r>
+            <a:endParaRPr lang="en-US" sz="2800" dirty="0" smtClean="0"/>
+          </a:p>
+          <a:p>
+            <a:pPr>
+              <a:buFont typeface="Wingdings" panose="05000000000000000000" pitchFamily="2" charset="2"/>
+              <a:buChar char="§"/>
+            </a:pPr>
+            <a:endParaRPr lang="en-US" sz="2800" dirty="0"/>
+          </a:p>
+          <a:p>
+            <a:pPr>
+              <a:buFont typeface="Wingdings" panose="05000000000000000000" pitchFamily="2" charset="2"/>
+              <a:buChar char="§"/>
+            </a:pPr>
+            <a:r>
+              <a:rPr lang="uk-UA" sz="2800" dirty="0" smtClean="0"/>
+              <a:t> Відправка файлів великих розмірів</a:t>
             </a:r>
             <a:endParaRPr lang="ru-RU" sz="2800" dirty="0"/>
           </a:p>
@@ -4209,149 +5801,101 @@
           <a:lstStyle/>
           <a:p>
             <a:r>
-              <a:rPr lang="uk-UA" dirty="0" smtClean="0"/>
-              <a:t>Ціль</a:t>
+              <a:rPr lang="ru-RU" dirty="0" err="1" smtClean="0"/>
+              <a:t>Класифікація</a:t>
             </a:r>
             <a:endParaRPr lang="ru-RU" dirty="0"/>
           </a:p>
         </p:txBody>
       </p:sp>
-      <p:pic>
-        <p:nvPicPr>
-          <p:cNvPr id="9" name="Объект 8"/>
-          <p:cNvPicPr>
-            <a:picLocks noGrp="1" noChangeAspect="1"/>
-          </p:cNvPicPr>
+      <p:sp>
+        <p:nvSpPr>
+          <p:cNvPr id="3" name="Объект 2"/>
+          <p:cNvSpPr>
+            <a:spLocks noGrp="1"/>
+          </p:cNvSpPr>
           <p:nvPr>
             <p:ph idx="1"/>
           </p:nvPr>
-        </p:nvPicPr>
-        <p:blipFill>
-          <a:blip r:embed="rId2">
-            <a:extLst>
-              <a:ext uri="{28A0092B-C50C-407E-A947-70E740481C1C}">
-                <a14:useLocalDpi xmlns:a14="http://schemas.microsoft.com/office/drawing/2010/main" val="0"/>
-              </a:ext>
-            </a:extLst>
-          </a:blip>
-          <a:stretch>
-            <a:fillRect/>
-          </a:stretch>
-        </p:blipFill>
-        <p:spPr>
-          <a:xfrm>
-            <a:off x="923645" y="1950502"/>
-            <a:ext cx="3465506" cy="4022725"/>
-          </a:xfrm>
-        </p:spPr>
-      </p:pic>
-      <p:pic>
-        <p:nvPicPr>
-          <p:cNvPr id="10" name="Рисунок 9"/>
-          <p:cNvPicPr>
-            <a:picLocks noChangeAspect="1"/>
-          </p:cNvPicPr>
-          <p:nvPr/>
-        </p:nvPicPr>
-        <p:blipFill>
-          <a:blip r:embed="rId3">
-            <a:extLst>
-              <a:ext uri="{28A0092B-C50C-407E-A947-70E740481C1C}">
-                <a14:useLocalDpi xmlns:a14="http://schemas.microsoft.com/office/drawing/2010/main" val="0"/>
-              </a:ext>
-            </a:extLst>
-          </a:blip>
-          <a:stretch>
-            <a:fillRect/>
-          </a:stretch>
-        </p:blipFill>
-        <p:spPr>
-          <a:xfrm>
-            <a:off x="4889738" y="1950502"/>
-            <a:ext cx="2553478" cy="2321344"/>
-          </a:xfrm>
-          <a:prstGeom prst="rect">
-            <a:avLst/>
-          </a:prstGeom>
-        </p:spPr>
-      </p:pic>
-      <p:pic>
-        <p:nvPicPr>
-          <p:cNvPr id="11" name="Рисунок 10"/>
-          <p:cNvPicPr>
-            <a:picLocks noChangeAspect="1"/>
-          </p:cNvPicPr>
-          <p:nvPr/>
-        </p:nvPicPr>
-        <p:blipFill>
-          <a:blip r:embed="rId4">
-            <a:extLst>
-              <a:ext uri="{28A0092B-C50C-407E-A947-70E740481C1C}">
-                <a14:useLocalDpi xmlns:a14="http://schemas.microsoft.com/office/drawing/2010/main" val="0"/>
-              </a:ext>
-            </a:extLst>
-          </a:blip>
-          <a:stretch>
-            <a:fillRect/>
-          </a:stretch>
-        </p:blipFill>
-        <p:spPr>
-          <a:xfrm>
-            <a:off x="8264322" y="1950502"/>
-            <a:ext cx="2653614" cy="2320045"/>
-          </a:xfrm>
-          <a:prstGeom prst="rect">
-            <a:avLst/>
-          </a:prstGeom>
-        </p:spPr>
-      </p:pic>
-      <p:pic>
-        <p:nvPicPr>
-          <p:cNvPr id="12" name="Рисунок 11"/>
-          <p:cNvPicPr>
-            <a:picLocks noChangeAspect="1"/>
-          </p:cNvPicPr>
-          <p:nvPr/>
-        </p:nvPicPr>
-        <p:blipFill>
-          <a:blip r:embed="rId5">
-            <a:extLst>
-              <a:ext uri="{28A0092B-C50C-407E-A947-70E740481C1C}">
-                <a14:useLocalDpi xmlns:a14="http://schemas.microsoft.com/office/drawing/2010/main" val="0"/>
-              </a:ext>
-            </a:extLst>
-          </a:blip>
-          <a:stretch>
-            <a:fillRect/>
-          </a:stretch>
-        </p:blipFill>
-        <p:spPr>
-          <a:xfrm>
-            <a:off x="6381581" y="4467758"/>
-            <a:ext cx="2981876" cy="1505469"/>
-          </a:xfrm>
-          <a:prstGeom prst="rect">
-            <a:avLst/>
-          </a:prstGeom>
-        </p:spPr>
-      </p:pic>
+        </p:nvSpPr>
+        <p:spPr/>
+        <p:txBody>
+          <a:bodyPr>
+            <a:normAutofit/>
+          </a:bodyPr>
+          <a:lstStyle/>
+          <a:p>
+            <a:pPr>
+              <a:buFont typeface="Wingdings" panose="05000000000000000000" pitchFamily="2" charset="2"/>
+              <a:buChar char="§"/>
+            </a:pPr>
+            <a:r>
+              <a:rPr lang="uk-UA" sz="2400" dirty="0" smtClean="0"/>
+              <a:t> Табличні</a:t>
+            </a:r>
+            <a:endParaRPr lang="uk-UA" sz="2400" dirty="0"/>
+          </a:p>
+          <a:p>
+            <a:pPr>
+              <a:buFont typeface="Wingdings" panose="05000000000000000000" pitchFamily="2" charset="2"/>
+              <a:buChar char="§"/>
+            </a:pPr>
+            <a:endParaRPr lang="uk-UA" sz="2400" dirty="0" smtClean="0"/>
+          </a:p>
+          <a:p>
+            <a:pPr>
+              <a:buFont typeface="Wingdings" panose="05000000000000000000" pitchFamily="2" charset="2"/>
+              <a:buChar char="§"/>
+            </a:pPr>
+            <a:endParaRPr lang="uk-UA" sz="2400" dirty="0"/>
+          </a:p>
+          <a:p>
+            <a:pPr>
+              <a:buFont typeface="Wingdings" panose="05000000000000000000" pitchFamily="2" charset="2"/>
+              <a:buChar char="§"/>
+            </a:pPr>
+            <a:r>
+              <a:rPr lang="uk-UA" sz="2400" dirty="0" smtClean="0"/>
+              <a:t> Потокові</a:t>
+            </a:r>
+          </a:p>
+          <a:p>
+            <a:pPr>
+              <a:buFont typeface="Wingdings" panose="05000000000000000000" pitchFamily="2" charset="2"/>
+              <a:buChar char="§"/>
+            </a:pPr>
+            <a:endParaRPr lang="uk-UA" sz="2400" dirty="0"/>
+          </a:p>
+          <a:p>
+            <a:pPr>
+              <a:buFont typeface="Wingdings" panose="05000000000000000000" pitchFamily="2" charset="2"/>
+              <a:buChar char="§"/>
+            </a:pPr>
+            <a:endParaRPr lang="uk-UA" sz="2400" dirty="0" smtClean="0"/>
+          </a:p>
+          <a:p>
+            <a:pPr>
+              <a:buFont typeface="Wingdings" panose="05000000000000000000" pitchFamily="2" charset="2"/>
+              <a:buChar char="§"/>
+            </a:pPr>
+            <a:r>
+              <a:rPr lang="uk-UA" sz="2400" dirty="0" smtClean="0"/>
+              <a:t> Блочні</a:t>
+            </a:r>
+            <a:endParaRPr lang="ru-RU" sz="2400" dirty="0"/>
+          </a:p>
+        </p:txBody>
+      </p:sp>
     </p:spTree>
     <p:extLst>
       <p:ext uri="{BB962C8B-B14F-4D97-AF65-F5344CB8AC3E}">
-        <p14:creationId xmlns:p14="http://schemas.microsoft.com/office/powerpoint/2010/main" val="3740529121"/>
+        <p14:creationId xmlns:p14="http://schemas.microsoft.com/office/powerpoint/2010/main" val="872098697"/>
       </p:ext>
     </p:extLst>
   </p:cSld>
   <p:clrMapOvr>
     <a:masterClrMapping/>
   </p:clrMapOvr>
-  <p:timing>
-    <p:tnLst>
-      <p:par>
-        <p:cTn id="1" dur="indefinite" restart="never" nodeType="tmRoot"/>
-      </p:par>
-    </p:tnLst>
-  </p:timing>
 </p:sld>
 </file>
 
@@ -4663,19 +6207,14 @@
             <p:ph type="title"/>
           </p:nvPr>
         </p:nvSpPr>
-        <p:spPr>
-          <a:xfrm>
-            <a:off x="1179576" y="286803"/>
-            <a:ext cx="10058400" cy="1450757"/>
-          </a:xfrm>
-        </p:spPr>
+        <p:spPr/>
         <p:txBody>
           <a:bodyPr/>
           <a:lstStyle/>
           <a:p>
             <a:r>
               <a:rPr lang="uk-UA" dirty="0" smtClean="0"/>
-              <a:t>Мій шифр</a:t>
+              <a:t>Довжина ключа</a:t>
             </a:r>
             <a:endParaRPr lang="ru-RU" dirty="0"/>
           </a:p>
@@ -4705,8 +6244,8 @@
         </p:blipFill>
         <p:spPr>
           <a:xfrm>
-            <a:off x="2438080" y="2399100"/>
-            <a:ext cx="7376799" cy="1325995"/>
+            <a:off x="2502217" y="3150489"/>
+            <a:ext cx="7248525" cy="1066800"/>
           </a:xfrm>
         </p:spPr>
       </p:pic>
@@ -4718,8 +6257,8 @@
         </p:nvSpPr>
         <p:spPr>
           <a:xfrm>
-            <a:off x="5353811" y="1883664"/>
-            <a:ext cx="1545336" cy="369332"/>
+            <a:off x="2147220" y="2138600"/>
+            <a:ext cx="7958518" cy="369332"/>
           </a:xfrm>
           <a:prstGeom prst="rect">
             <a:avLst/>
@@ -4734,67 +6273,7 @@
           <a:p>
             <a:r>
               <a:rPr lang="uk-UA" dirty="0" smtClean="0"/>
-              <a:t>Шифрування</a:t>
-            </a:r>
-            <a:endParaRPr lang="ru-RU" dirty="0"/>
-          </a:p>
-        </p:txBody>
-      </p:sp>
-      <p:pic>
-        <p:nvPicPr>
-          <p:cNvPr id="6" name="Рисунок 5"/>
-          <p:cNvPicPr>
-            <a:picLocks noChangeAspect="1"/>
-          </p:cNvPicPr>
-          <p:nvPr/>
-        </p:nvPicPr>
-        <p:blipFill>
-          <a:blip r:embed="rId3">
-            <a:extLst>
-              <a:ext uri="{28A0092B-C50C-407E-A947-70E740481C1C}">
-                <a14:useLocalDpi xmlns:a14="http://schemas.microsoft.com/office/drawing/2010/main" val="0"/>
-              </a:ext>
-            </a:extLst>
-          </a:blip>
-          <a:stretch>
-            <a:fillRect/>
-          </a:stretch>
-        </p:blipFill>
-        <p:spPr>
-          <a:xfrm>
-            <a:off x="2442651" y="4733490"/>
-            <a:ext cx="7414903" cy="1249788"/>
-          </a:xfrm>
-          <a:prstGeom prst="rect">
-            <a:avLst/>
-          </a:prstGeom>
-        </p:spPr>
-      </p:pic>
-      <p:sp>
-        <p:nvSpPr>
-          <p:cNvPr id="7" name="TextBox 6"/>
-          <p:cNvSpPr txBox="1"/>
-          <p:nvPr/>
-        </p:nvSpPr>
-        <p:spPr>
-          <a:xfrm>
-            <a:off x="5234939" y="4201969"/>
-            <a:ext cx="1783080" cy="369332"/>
-          </a:xfrm>
-          <a:prstGeom prst="rect">
-            <a:avLst/>
-          </a:prstGeom>
-          <a:noFill/>
-        </p:spPr>
-        <p:txBody>
-          <a:bodyPr wrap="square" rtlCol="0">
-            <a:spAutoFit/>
-          </a:bodyPr>
-          <a:lstStyle/>
-          <a:p>
-            <a:r>
-              <a:rPr lang="uk-UA" dirty="0" smtClean="0"/>
-              <a:t>Дешифрування</a:t>
+              <a:t>Відкритий текст розбивається на блоки, довжина яких дорівнює довжині ключа</a:t>
             </a:r>
             <a:endParaRPr lang="ru-RU" dirty="0"/>
           </a:p>
@@ -4803,7 +6282,7 @@
     </p:spTree>
     <p:extLst>
       <p:ext uri="{BB962C8B-B14F-4D97-AF65-F5344CB8AC3E}">
-        <p14:creationId xmlns:p14="http://schemas.microsoft.com/office/powerpoint/2010/main" val="707047620"/>
+        <p14:creationId xmlns:p14="http://schemas.microsoft.com/office/powerpoint/2010/main" val="3200324732"/>
       </p:ext>
     </p:extLst>
   </p:cSld>
@@ -4847,18 +6326,19 @@
             <p:ph type="title"/>
           </p:nvPr>
         </p:nvSpPr>
-        <p:spPr/>
+        <p:spPr>
+          <a:xfrm>
+            <a:off x="1179576" y="286803"/>
+            <a:ext cx="10058400" cy="1450757"/>
+          </a:xfrm>
+        </p:spPr>
         <p:txBody>
           <a:bodyPr/>
           <a:lstStyle/>
           <a:p>
             <a:r>
               <a:rPr lang="uk-UA" dirty="0" smtClean="0"/>
-              <a:t>Час роботи шифру </a:t>
-            </a:r>
-            <a:r>
-              <a:rPr lang="uk-UA" dirty="0" err="1" smtClean="0"/>
-              <a:t>Віженера</a:t>
+              <a:t>Шифрування на кожному раунді</a:t>
             </a:r>
             <a:endParaRPr lang="ru-RU" dirty="0"/>
           </a:p>
@@ -4866,7 +6346,7 @@
       </p:sp>
       <p:pic>
         <p:nvPicPr>
-          <p:cNvPr id="4" name="Объект 3"/>
+          <p:cNvPr id="8" name="Объект 7"/>
           <p:cNvPicPr>
             <a:picLocks noGrp="1" noChangeAspect="1"/>
           </p:cNvPicPr>
@@ -4888,15 +6368,15 @@
         </p:blipFill>
         <p:spPr>
           <a:xfrm>
-            <a:off x="1888392" y="2332061"/>
-            <a:ext cx="8476175" cy="1279819"/>
+            <a:off x="2437763" y="3030036"/>
+            <a:ext cx="7376799" cy="1325995"/>
           </a:xfrm>
         </p:spPr>
       </p:pic>
     </p:spTree>
     <p:extLst>
       <p:ext uri="{BB962C8B-B14F-4D97-AF65-F5344CB8AC3E}">
-        <p14:creationId xmlns:p14="http://schemas.microsoft.com/office/powerpoint/2010/main" val="1955171928"/>
+        <p14:creationId xmlns:p14="http://schemas.microsoft.com/office/powerpoint/2010/main" val="707047620"/>
       </p:ext>
     </p:extLst>
   </p:cSld>
@@ -4947,45 +6427,45 @@
           <a:p>
             <a:r>
               <a:rPr lang="uk-UA" dirty="0" smtClean="0"/>
-              <a:t>Час роботи мого алгоритму</a:t>
+              <a:t>Кількість раундів</a:t>
             </a:r>
             <a:endParaRPr lang="ru-RU" dirty="0"/>
           </a:p>
         </p:txBody>
       </p:sp>
-      <p:pic>
-        <p:nvPicPr>
-          <p:cNvPr id="4" name="Объект 3"/>
-          <p:cNvPicPr>
-            <a:picLocks noGrp="1" noChangeAspect="1"/>
-          </p:cNvPicPr>
+      <p:sp>
+        <p:nvSpPr>
+          <p:cNvPr id="3" name="Объект 2"/>
+          <p:cNvSpPr>
+            <a:spLocks noGrp="1"/>
+          </p:cNvSpPr>
           <p:nvPr>
             <p:ph idx="1"/>
           </p:nvPr>
-        </p:nvPicPr>
-        <p:blipFill>
-          <a:blip r:embed="rId2">
-            <a:extLst>
-              <a:ext uri="{28A0092B-C50C-407E-A947-70E740481C1C}">
-                <a14:useLocalDpi xmlns:a14="http://schemas.microsoft.com/office/drawing/2010/main" val="0"/>
-              </a:ext>
-            </a:extLst>
-          </a:blip>
-          <a:stretch>
-            <a:fillRect/>
-          </a:stretch>
-        </p:blipFill>
-        <p:spPr>
-          <a:xfrm>
-            <a:off x="2776853" y="2489024"/>
-            <a:ext cx="6699253" cy="1689079"/>
-          </a:xfrm>
-        </p:spPr>
-      </p:pic>
+        </p:nvSpPr>
+        <p:spPr/>
+        <p:txBody>
+          <a:bodyPr/>
+          <a:lstStyle/>
+          <a:p>
+            <a:r>
+              <a:rPr lang="uk-UA" dirty="0" smtClean="0"/>
+              <a:t>Чим більша кількість раундів, тим довше працює шифр, тим краще шифрується дані.</a:t>
+            </a:r>
+          </a:p>
+          <a:p>
+            <a:r>
+              <a:rPr lang="uk-UA" dirty="0" smtClean="0"/>
+              <a:t>Чим менша кількість раундів, тим швидше працює шифр, тим гірше шифруються дані.</a:t>
+            </a:r>
+            <a:endParaRPr lang="ru-RU" dirty="0"/>
+          </a:p>
+        </p:txBody>
+      </p:sp>
     </p:spTree>
     <p:extLst>
       <p:ext uri="{BB962C8B-B14F-4D97-AF65-F5344CB8AC3E}">
-        <p14:creationId xmlns:p14="http://schemas.microsoft.com/office/powerpoint/2010/main" val="2609144548"/>
+        <p14:creationId xmlns:p14="http://schemas.microsoft.com/office/powerpoint/2010/main" val="3326221780"/>
       </p:ext>
     </p:extLst>
   </p:cSld>
